--- a/results/figures/pptx/forgone_care_causes.pptx
+++ b/results/figures/pptx/forgone_care_causes.pptx
@@ -2314,7 +2314,7 @@
           </p:nvSpPr>
           <p:spPr>
             <a:xfrm>
-              <a:off x="4267761" y="1415665"/>
+              <a:off x="4060946" y="1415665"/>
               <a:ext cx="0" cy="4538608"/>
             </a:xfrm>
             <a:custGeom>
@@ -2357,7 +2357,7 @@
           </p:nvSpPr>
           <p:spPr>
             <a:xfrm>
-              <a:off x="5232900" y="1415665"/>
+              <a:off x="4819269" y="1415665"/>
               <a:ext cx="0" cy="4538608"/>
             </a:xfrm>
             <a:custGeom>
@@ -2400,7 +2400,7 @@
           </p:nvSpPr>
           <p:spPr>
             <a:xfrm>
-              <a:off x="6198038" y="1415665"/>
+              <a:off x="5577592" y="1415665"/>
               <a:ext cx="0" cy="4538608"/>
             </a:xfrm>
             <a:custGeom>
@@ -2443,7 +2443,7 @@
           </p:nvSpPr>
           <p:spPr>
             <a:xfrm>
-              <a:off x="7163177" y="1415665"/>
+              <a:off x="6335915" y="1415665"/>
               <a:ext cx="0" cy="4538608"/>
             </a:xfrm>
             <a:custGeom>
@@ -2486,7 +2486,7 @@
           </p:nvSpPr>
           <p:spPr>
             <a:xfrm>
-              <a:off x="8128315" y="1415665"/>
+              <a:off x="7094238" y="1415665"/>
               <a:ext cx="0" cy="4538608"/>
             </a:xfrm>
             <a:custGeom>
@@ -2523,14 +2523,100 @@
         </p:sp>
         <p:sp>
           <p:nvSpPr>
-            <p:cNvPr id="10" name="rc10"/>
+            <p:cNvPr id="10" name="pl10"/>
+            <p:cNvSpPr/>
+            <p:nvPr/>
+          </p:nvSpPr>
+          <p:spPr>
+            <a:xfrm>
+              <a:off x="7852561" y="1415665"/>
+              <a:ext cx="0" cy="4538608"/>
+            </a:xfrm>
+            <a:custGeom>
+              <a:avLst/>
+              <a:pathLst>
+                <a:path w="0" h="4538608">
+                  <a:moveTo>
+                    <a:pt x="0" y="4538608"/>
+                  </a:moveTo>
+                  <a:lnTo>
+                    <a:pt x="0" y="0"/>
+                  </a:lnTo>
+                  <a:lnTo>
+                    <a:pt x="0" y="0"/>
+                  </a:lnTo>
+                </a:path>
+              </a:pathLst>
+            </a:custGeom>
+            <a:ln w="13550" cap="flat">
+              <a:solidFill>
+                <a:srgbClr val="D3D3D3">
+                  <a:alpha val="100000"/>
+                </a:srgbClr>
+              </a:solidFill>
+              <a:prstDash val="solid"/>
+              <a:round/>
+            </a:ln>
+          </p:spPr>
+          <p:txBody>
+            <a:bodyPr/>
+            <a:lstStyle/>
+            <a:p/>
+          </p:txBody>
+        </p:sp>
+        <p:sp>
+          <p:nvSpPr>
+            <p:cNvPr id="11" name="pl11"/>
+            <p:cNvSpPr/>
+            <p:nvPr/>
+          </p:nvSpPr>
+          <p:spPr>
+            <a:xfrm>
+              <a:off x="8610884" y="1415665"/>
+              <a:ext cx="0" cy="4538608"/>
+            </a:xfrm>
+            <a:custGeom>
+              <a:avLst/>
+              <a:pathLst>
+                <a:path w="0" h="4538608">
+                  <a:moveTo>
+                    <a:pt x="0" y="4538608"/>
+                  </a:moveTo>
+                  <a:lnTo>
+                    <a:pt x="0" y="0"/>
+                  </a:lnTo>
+                  <a:lnTo>
+                    <a:pt x="0" y="0"/>
+                  </a:lnTo>
+                </a:path>
+              </a:pathLst>
+            </a:custGeom>
+            <a:ln w="13550" cap="flat">
+              <a:solidFill>
+                <a:srgbClr val="D3D3D3">
+                  <a:alpha val="100000"/>
+                </a:srgbClr>
+              </a:solidFill>
+              <a:prstDash val="solid"/>
+              <a:round/>
+            </a:ln>
+          </p:spPr>
+          <p:txBody>
+            <a:bodyPr/>
+            <a:lstStyle/>
+            <a:p/>
+          </p:txBody>
+        </p:sp>
+        <p:sp>
+          <p:nvSpPr>
+            <p:cNvPr id="12" name="rc12"/>
             <p:cNvSpPr/>
             <p:nvPr/>
           </p:nvSpPr>
           <p:spPr>
             <a:xfrm>
               <a:off x="3302623" y="1498688"/>
-              <a:ext cx="4825692" cy="498139"/>
+              <a:ext cx="3791615" cy="498139"/>
             </a:xfrm>
             <a:prstGeom prst="rect">
               <a:avLst/>
@@ -2549,14 +2635,14 @@
         </p:sp>
         <p:sp>
           <p:nvSpPr>
-            <p:cNvPr id="11" name="rc11"/>
+            <p:cNvPr id="13" name="rc13"/>
             <p:cNvSpPr/>
             <p:nvPr/>
           </p:nvSpPr>
           <p:spPr>
             <a:xfrm>
               <a:off x="3302623" y="2052177"/>
-              <a:ext cx="3474498" cy="498139"/>
+              <a:ext cx="2729963" cy="498139"/>
             </a:xfrm>
             <a:prstGeom prst="rect">
               <a:avLst/>
@@ -2575,14 +2661,14 @@
         </p:sp>
         <p:sp>
           <p:nvSpPr>
-            <p:cNvPr id="12" name="rc12"/>
+            <p:cNvPr id="14" name="rc14"/>
             <p:cNvSpPr/>
             <p:nvPr/>
           </p:nvSpPr>
           <p:spPr>
             <a:xfrm>
               <a:off x="3302623" y="2605666"/>
-              <a:ext cx="3281470" cy="498139"/>
+              <a:ext cx="2578298" cy="498139"/>
             </a:xfrm>
             <a:prstGeom prst="rect">
               <a:avLst/>
@@ -2601,14 +2687,14 @@
         </p:sp>
         <p:sp>
           <p:nvSpPr>
-            <p:cNvPr id="13" name="rc13"/>
+            <p:cNvPr id="15" name="rc15"/>
             <p:cNvSpPr/>
             <p:nvPr/>
           </p:nvSpPr>
           <p:spPr>
             <a:xfrm>
               <a:off x="3302623" y="3159155"/>
-              <a:ext cx="2895415" cy="498139"/>
+              <a:ext cx="2274969" cy="498139"/>
             </a:xfrm>
             <a:prstGeom prst="rect">
               <a:avLst/>
@@ -2627,14 +2713,14 @@
         </p:sp>
         <p:sp>
           <p:nvSpPr>
-            <p:cNvPr id="14" name="rc14"/>
+            <p:cNvPr id="16" name="rc16"/>
             <p:cNvSpPr/>
             <p:nvPr/>
           </p:nvSpPr>
           <p:spPr>
             <a:xfrm>
               <a:off x="3302623" y="3712643"/>
-              <a:ext cx="2123304" cy="498139"/>
+              <a:ext cx="1668310" cy="498139"/>
             </a:xfrm>
             <a:prstGeom prst="rect">
               <a:avLst/>
@@ -2653,14 +2739,14 @@
         </p:sp>
         <p:sp>
           <p:nvSpPr>
-            <p:cNvPr id="15" name="rc15"/>
+            <p:cNvPr id="17" name="rc17"/>
             <p:cNvSpPr/>
             <p:nvPr/>
           </p:nvSpPr>
           <p:spPr>
             <a:xfrm>
               <a:off x="3302623" y="4266132"/>
-              <a:ext cx="1737249" cy="498139"/>
+              <a:ext cx="1364981" cy="498139"/>
             </a:xfrm>
             <a:prstGeom prst="rect">
               <a:avLst/>
@@ -2679,14 +2765,14 @@
         </p:sp>
         <p:sp>
           <p:nvSpPr>
-            <p:cNvPr id="16" name="rc16"/>
+            <p:cNvPr id="18" name="rc18"/>
             <p:cNvSpPr/>
             <p:nvPr/>
           </p:nvSpPr>
           <p:spPr>
             <a:xfrm>
               <a:off x="3302623" y="4819621"/>
-              <a:ext cx="1544221" cy="498139"/>
+              <a:ext cx="1213316" cy="498139"/>
             </a:xfrm>
             <a:prstGeom prst="rect">
               <a:avLst/>
@@ -2705,14 +2791,14 @@
         </p:sp>
         <p:sp>
           <p:nvSpPr>
-            <p:cNvPr id="17" name="rc17"/>
+            <p:cNvPr id="19" name="rc19"/>
             <p:cNvSpPr/>
             <p:nvPr/>
           </p:nvSpPr>
           <p:spPr>
             <a:xfrm>
               <a:off x="3302623" y="5373110"/>
-              <a:ext cx="579083" cy="498139"/>
+              <a:ext cx="454993" cy="498139"/>
             </a:xfrm>
             <a:prstGeom prst="rect">
               <a:avLst/>
@@ -2731,14 +2817,14 @@
         </p:sp>
         <p:sp>
           <p:nvSpPr>
-            <p:cNvPr id="18" name="tx18"/>
-            <p:cNvSpPr/>
-            <p:nvPr/>
-          </p:nvSpPr>
-          <p:spPr>
-            <a:xfrm>
-              <a:off x="8178556" y="1680358"/>
-              <a:ext cx="200965" cy="132065"/>
+            <p:cNvPr id="20" name="tx20"/>
+            <p:cNvSpPr/>
+            <p:nvPr/>
+          </p:nvSpPr>
+          <p:spPr>
+            <a:xfrm>
+              <a:off x="7277516" y="1642864"/>
+              <a:ext cx="733109" cy="169559"/>
             </a:xfrm>
             <a:prstGeom prst="rect">
               <a:avLst/>
@@ -2770,21 +2856,21 @@
                   <a:latin typeface="Arial"/>
                   <a:cs typeface="Arial"/>
                 </a:rPr>
-                <a:t>25</a:t>
+                <a:t>25 (48%)</a:t>
               </a:r>
             </a:p>
           </p:txBody>
         </p:sp>
         <p:sp>
           <p:nvSpPr>
-            <p:cNvPr id="19" name="tx19"/>
-            <p:cNvSpPr/>
-            <p:nvPr/>
-          </p:nvSpPr>
-          <p:spPr>
-            <a:xfrm>
-              <a:off x="6827363" y="2233847"/>
-              <a:ext cx="200965" cy="132065"/>
+            <p:cNvPr id="21" name="tx21"/>
+            <p:cNvSpPr/>
+            <p:nvPr/>
+          </p:nvSpPr>
+          <p:spPr>
+            <a:xfrm>
+              <a:off x="6215863" y="2196353"/>
+              <a:ext cx="733109" cy="169559"/>
             </a:xfrm>
             <a:prstGeom prst="rect">
               <a:avLst/>
@@ -2816,21 +2902,21 @@
                   <a:latin typeface="Arial"/>
                   <a:cs typeface="Arial"/>
                 </a:rPr>
-                <a:t>18</a:t>
+                <a:t>18 (35%)</a:t>
               </a:r>
             </a:p>
           </p:txBody>
         </p:sp>
         <p:sp>
           <p:nvSpPr>
-            <p:cNvPr id="20" name="tx20"/>
-            <p:cNvSpPr/>
-            <p:nvPr/>
-          </p:nvSpPr>
-          <p:spPr>
-            <a:xfrm>
-              <a:off x="6634335" y="2789541"/>
-              <a:ext cx="200965" cy="129860"/>
+            <p:cNvPr id="22" name="tx22"/>
+            <p:cNvSpPr/>
+            <p:nvPr/>
+          </p:nvSpPr>
+          <p:spPr>
+            <a:xfrm>
+              <a:off x="6064199" y="2749842"/>
+              <a:ext cx="733109" cy="169559"/>
             </a:xfrm>
             <a:prstGeom prst="rect">
               <a:avLst/>
@@ -2862,21 +2948,21 @@
                   <a:latin typeface="Arial"/>
                   <a:cs typeface="Arial"/>
                 </a:rPr>
-                <a:t>17</a:t>
+                <a:t>17 (33%)</a:t>
               </a:r>
             </a:p>
           </p:txBody>
         </p:sp>
         <p:sp>
           <p:nvSpPr>
-            <p:cNvPr id="21" name="tx21"/>
-            <p:cNvSpPr/>
-            <p:nvPr/>
-          </p:nvSpPr>
-          <p:spPr>
-            <a:xfrm>
-              <a:off x="6248280" y="3340824"/>
-              <a:ext cx="200965" cy="132065"/>
+            <p:cNvPr id="23" name="tx23"/>
+            <p:cNvSpPr/>
+            <p:nvPr/>
+          </p:nvSpPr>
+          <p:spPr>
+            <a:xfrm>
+              <a:off x="5760869" y="3303331"/>
+              <a:ext cx="733109" cy="169559"/>
             </a:xfrm>
             <a:prstGeom prst="rect">
               <a:avLst/>
@@ -2908,21 +2994,21 @@
                   <a:latin typeface="Arial"/>
                   <a:cs typeface="Arial"/>
                 </a:rPr>
-                <a:t>15</a:t>
+                <a:t>15 (29%)</a:t>
               </a:r>
             </a:p>
           </p:txBody>
         </p:sp>
         <p:sp>
           <p:nvSpPr>
-            <p:cNvPr id="22" name="tx22"/>
-            <p:cNvSpPr/>
-            <p:nvPr/>
-          </p:nvSpPr>
-          <p:spPr>
-            <a:xfrm>
-              <a:off x="5476169" y="3896519"/>
-              <a:ext cx="200965" cy="129860"/>
+            <p:cNvPr id="24" name="tx24"/>
+            <p:cNvSpPr/>
+            <p:nvPr/>
+          </p:nvSpPr>
+          <p:spPr>
+            <a:xfrm>
+              <a:off x="5154211" y="3856820"/>
+              <a:ext cx="733109" cy="169559"/>
             </a:xfrm>
             <a:prstGeom prst="rect">
               <a:avLst/>
@@ -2954,21 +3040,21 @@
                   <a:latin typeface="Arial"/>
                   <a:cs typeface="Arial"/>
                 </a:rPr>
-                <a:t>11</a:t>
+                <a:t>11 (21%)</a:t>
               </a:r>
             </a:p>
           </p:txBody>
         </p:sp>
         <p:sp>
           <p:nvSpPr>
-            <p:cNvPr id="23" name="tx23"/>
-            <p:cNvSpPr/>
-            <p:nvPr/>
-          </p:nvSpPr>
-          <p:spPr>
-            <a:xfrm>
-              <a:off x="5064993" y="4447802"/>
-              <a:ext cx="100482" cy="132065"/>
+            <p:cNvPr id="25" name="tx25"/>
+            <p:cNvSpPr/>
+            <p:nvPr/>
+          </p:nvSpPr>
+          <p:spPr>
+            <a:xfrm>
+              <a:off x="4825761" y="4410308"/>
+              <a:ext cx="632627" cy="169559"/>
             </a:xfrm>
             <a:prstGeom prst="rect">
               <a:avLst/>
@@ -3000,21 +3086,21 @@
                   <a:latin typeface="Arial"/>
                   <a:cs typeface="Arial"/>
                 </a:rPr>
-                <a:t>9</a:t>
+                <a:t>9 (17%)</a:t>
               </a:r>
             </a:p>
           </p:txBody>
         </p:sp>
         <p:sp>
           <p:nvSpPr>
-            <p:cNvPr id="24" name="tx24"/>
-            <p:cNvSpPr/>
-            <p:nvPr/>
-          </p:nvSpPr>
-          <p:spPr>
-            <a:xfrm>
-              <a:off x="4871965" y="5001291"/>
-              <a:ext cx="100482" cy="132065"/>
+            <p:cNvPr id="26" name="tx26"/>
+            <p:cNvSpPr/>
+            <p:nvPr/>
+          </p:nvSpPr>
+          <p:spPr>
+            <a:xfrm>
+              <a:off x="4674096" y="4963797"/>
+              <a:ext cx="632627" cy="169559"/>
             </a:xfrm>
             <a:prstGeom prst="rect">
               <a:avLst/>
@@ -3046,21 +3132,21 @@
                   <a:latin typeface="Arial"/>
                   <a:cs typeface="Arial"/>
                 </a:rPr>
-                <a:t>8</a:t>
+                <a:t>8 (15%)</a:t>
               </a:r>
             </a:p>
           </p:txBody>
         </p:sp>
         <p:sp>
           <p:nvSpPr>
-            <p:cNvPr id="25" name="tx25"/>
-            <p:cNvSpPr/>
-            <p:nvPr/>
-          </p:nvSpPr>
-          <p:spPr>
-            <a:xfrm>
-              <a:off x="3906827" y="5554691"/>
-              <a:ext cx="100482" cy="132153"/>
+            <p:cNvPr id="27" name="tx27"/>
+            <p:cNvSpPr/>
+            <p:nvPr/>
+          </p:nvSpPr>
+          <p:spPr>
+            <a:xfrm>
+              <a:off x="3890653" y="5517286"/>
+              <a:ext cx="532144" cy="169559"/>
             </a:xfrm>
             <a:prstGeom prst="rect">
               <a:avLst/>
@@ -3092,14 +3178,14 @@
                   <a:latin typeface="Arial"/>
                   <a:cs typeface="Arial"/>
                 </a:rPr>
-                <a:t>3</a:t>
+                <a:t>3 (6%)</a:t>
               </a:r>
             </a:p>
           </p:txBody>
         </p:sp>
         <p:sp>
           <p:nvSpPr>
-            <p:cNvPr id="26" name="pl26"/>
+            <p:cNvPr id="28" name="pl28"/>
             <p:cNvSpPr/>
             <p:nvPr/>
           </p:nvSpPr>
@@ -3139,7 +3225,7 @@
         </p:sp>
         <p:sp>
           <p:nvSpPr>
-            <p:cNvPr id="27" name="tx27"/>
+            <p:cNvPr id="29" name="tx29"/>
             <p:cNvSpPr/>
             <p:nvPr/>
           </p:nvSpPr>
@@ -3185,7 +3271,7 @@
         </p:sp>
         <p:sp>
           <p:nvSpPr>
-            <p:cNvPr id="28" name="tx28"/>
+            <p:cNvPr id="30" name="tx30"/>
             <p:cNvSpPr/>
             <p:nvPr/>
           </p:nvSpPr>
@@ -3231,7 +3317,7 @@
         </p:sp>
         <p:sp>
           <p:nvSpPr>
-            <p:cNvPr id="29" name="tx29"/>
+            <p:cNvPr id="31" name="tx31"/>
             <p:cNvSpPr/>
             <p:nvPr/>
           </p:nvSpPr>
@@ -3277,7 +3363,7 @@
         </p:sp>
         <p:sp>
           <p:nvSpPr>
-            <p:cNvPr id="30" name="tx30"/>
+            <p:cNvPr id="32" name="tx32"/>
             <p:cNvSpPr/>
             <p:nvPr/>
           </p:nvSpPr>
@@ -3323,7 +3409,7 @@
         </p:sp>
         <p:sp>
           <p:nvSpPr>
-            <p:cNvPr id="31" name="tx31"/>
+            <p:cNvPr id="33" name="tx33"/>
             <p:cNvSpPr/>
             <p:nvPr/>
           </p:nvSpPr>
@@ -3369,7 +3455,7 @@
         </p:sp>
         <p:sp>
           <p:nvSpPr>
-            <p:cNvPr id="32" name="tx32"/>
+            <p:cNvPr id="34" name="tx34"/>
             <p:cNvSpPr/>
             <p:nvPr/>
           </p:nvSpPr>
@@ -3415,7 +3501,7 @@
         </p:sp>
         <p:sp>
           <p:nvSpPr>
-            <p:cNvPr id="33" name="tx33"/>
+            <p:cNvPr id="35" name="tx35"/>
             <p:cNvSpPr/>
             <p:nvPr/>
           </p:nvSpPr>
@@ -3461,7 +3547,7 @@
         </p:sp>
         <p:sp>
           <p:nvSpPr>
-            <p:cNvPr id="34" name="tx34"/>
+            <p:cNvPr id="36" name="tx36"/>
             <p:cNvSpPr/>
             <p:nvPr/>
           </p:nvSpPr>
@@ -3507,7 +3593,7 @@
         </p:sp>
         <p:sp>
           <p:nvSpPr>
-            <p:cNvPr id="35" name="tx35"/>
+            <p:cNvPr id="37" name="tx37"/>
             <p:cNvSpPr/>
             <p:nvPr/>
           </p:nvSpPr>
@@ -3553,7 +3639,7 @@
         </p:sp>
         <p:sp>
           <p:nvSpPr>
-            <p:cNvPr id="36" name="tx36"/>
+            <p:cNvPr id="38" name="tx38"/>
             <p:cNvSpPr/>
             <p:nvPr/>
           </p:nvSpPr>
@@ -3599,7 +3685,7 @@
         </p:sp>
         <p:sp>
           <p:nvSpPr>
-            <p:cNvPr id="37" name="tx37"/>
+            <p:cNvPr id="39" name="tx39"/>
             <p:cNvSpPr/>
             <p:nvPr/>
           </p:nvSpPr>
@@ -3645,7 +3731,7 @@
         </p:sp>
         <p:sp>
           <p:nvSpPr>
-            <p:cNvPr id="38" name="tx38"/>
+            <p:cNvPr id="40" name="tx40"/>
             <p:cNvSpPr/>
             <p:nvPr/>
           </p:nvSpPr>
@@ -3691,7 +3777,7 @@
         </p:sp>
         <p:sp>
           <p:nvSpPr>
-            <p:cNvPr id="39" name="tx39"/>
+            <p:cNvPr id="41" name="tx41"/>
             <p:cNvSpPr/>
             <p:nvPr/>
           </p:nvSpPr>
@@ -3737,7 +3823,7 @@
         </p:sp>
         <p:sp>
           <p:nvSpPr>
-            <p:cNvPr id="40" name="pl40"/>
+            <p:cNvPr id="42" name="pl42"/>
             <p:cNvSpPr/>
             <p:nvPr/>
           </p:nvSpPr>
@@ -3777,7 +3863,7 @@
         </p:sp>
         <p:sp>
           <p:nvSpPr>
-            <p:cNvPr id="41" name="pl41"/>
+            <p:cNvPr id="43" name="pl43"/>
             <p:cNvSpPr/>
             <p:nvPr/>
           </p:nvSpPr>
@@ -3817,7 +3903,7 @@
         </p:sp>
         <p:sp>
           <p:nvSpPr>
-            <p:cNvPr id="42" name="pl42"/>
+            <p:cNvPr id="44" name="pl44"/>
             <p:cNvSpPr/>
             <p:nvPr/>
           </p:nvSpPr>
@@ -3857,7 +3943,7 @@
         </p:sp>
         <p:sp>
           <p:nvSpPr>
-            <p:cNvPr id="43" name="pl43"/>
+            <p:cNvPr id="45" name="pl45"/>
             <p:cNvSpPr/>
             <p:nvPr/>
           </p:nvSpPr>
@@ -3897,7 +3983,7 @@
         </p:sp>
         <p:sp>
           <p:nvSpPr>
-            <p:cNvPr id="44" name="pl44"/>
+            <p:cNvPr id="46" name="pl46"/>
             <p:cNvSpPr/>
             <p:nvPr/>
           </p:nvSpPr>
@@ -3937,7 +4023,7 @@
         </p:sp>
         <p:sp>
           <p:nvSpPr>
-            <p:cNvPr id="45" name="pl45"/>
+            <p:cNvPr id="47" name="pl47"/>
             <p:cNvSpPr/>
             <p:nvPr/>
           </p:nvSpPr>
@@ -3977,7 +4063,7 @@
         </p:sp>
         <p:sp>
           <p:nvSpPr>
-            <p:cNvPr id="46" name="pl46"/>
+            <p:cNvPr id="48" name="pl48"/>
             <p:cNvSpPr/>
             <p:nvPr/>
           </p:nvSpPr>
@@ -4017,7 +4103,7 @@
         </p:sp>
         <p:sp>
           <p:nvSpPr>
-            <p:cNvPr id="47" name="pl47"/>
+            <p:cNvPr id="49" name="pl49"/>
             <p:cNvSpPr/>
             <p:nvPr/>
           </p:nvSpPr>
@@ -4057,7 +4143,7 @@
         </p:sp>
         <p:sp>
           <p:nvSpPr>
-            <p:cNvPr id="48" name="pl48"/>
+            <p:cNvPr id="50" name="pl50"/>
             <p:cNvSpPr/>
             <p:nvPr/>
           </p:nvSpPr>
@@ -4097,7 +4183,7 @@
         </p:sp>
         <p:sp>
           <p:nvSpPr>
-            <p:cNvPr id="49" name="pl49"/>
+            <p:cNvPr id="51" name="pl51"/>
             <p:cNvSpPr/>
             <p:nvPr/>
           </p:nvSpPr>
@@ -4137,13 +4223,13 @@
         </p:sp>
         <p:sp>
           <p:nvSpPr>
-            <p:cNvPr id="50" name="pl50"/>
-            <p:cNvSpPr/>
-            <p:nvPr/>
-          </p:nvSpPr>
-          <p:spPr>
-            <a:xfrm>
-              <a:off x="4267761" y="5954273"/>
+            <p:cNvPr id="52" name="pl52"/>
+            <p:cNvSpPr/>
+            <p:nvPr/>
+          </p:nvSpPr>
+          <p:spPr>
+            <a:xfrm>
+              <a:off x="4060946" y="5954273"/>
               <a:ext cx="0" cy="37957"/>
             </a:xfrm>
             <a:custGeom>
@@ -4177,13 +4263,13 @@
         </p:sp>
         <p:sp>
           <p:nvSpPr>
-            <p:cNvPr id="51" name="pl51"/>
-            <p:cNvSpPr/>
-            <p:nvPr/>
-          </p:nvSpPr>
-          <p:spPr>
-            <a:xfrm>
-              <a:off x="5232900" y="5954273"/>
+            <p:cNvPr id="53" name="pl53"/>
+            <p:cNvSpPr/>
+            <p:nvPr/>
+          </p:nvSpPr>
+          <p:spPr>
+            <a:xfrm>
+              <a:off x="4819269" y="5954273"/>
               <a:ext cx="0" cy="37957"/>
             </a:xfrm>
             <a:custGeom>
@@ -4217,13 +4303,13 @@
         </p:sp>
         <p:sp>
           <p:nvSpPr>
-            <p:cNvPr id="52" name="pl52"/>
-            <p:cNvSpPr/>
-            <p:nvPr/>
-          </p:nvSpPr>
-          <p:spPr>
-            <a:xfrm>
-              <a:off x="6198038" y="5954273"/>
+            <p:cNvPr id="54" name="pl54"/>
+            <p:cNvSpPr/>
+            <p:nvPr/>
+          </p:nvSpPr>
+          <p:spPr>
+            <a:xfrm>
+              <a:off x="5577592" y="5954273"/>
               <a:ext cx="0" cy="37957"/>
             </a:xfrm>
             <a:custGeom>
@@ -4257,13 +4343,13 @@
         </p:sp>
         <p:sp>
           <p:nvSpPr>
-            <p:cNvPr id="53" name="pl53"/>
-            <p:cNvSpPr/>
-            <p:nvPr/>
-          </p:nvSpPr>
-          <p:spPr>
-            <a:xfrm>
-              <a:off x="7163177" y="5954273"/>
+            <p:cNvPr id="55" name="pl55"/>
+            <p:cNvSpPr/>
+            <p:nvPr/>
+          </p:nvSpPr>
+          <p:spPr>
+            <a:xfrm>
+              <a:off x="6335915" y="5954273"/>
               <a:ext cx="0" cy="37957"/>
             </a:xfrm>
             <a:custGeom>
@@ -4297,13 +4383,13 @@
         </p:sp>
         <p:sp>
           <p:nvSpPr>
-            <p:cNvPr id="54" name="pl54"/>
-            <p:cNvSpPr/>
-            <p:nvPr/>
-          </p:nvSpPr>
-          <p:spPr>
-            <a:xfrm>
-              <a:off x="8128315" y="5954273"/>
+            <p:cNvPr id="56" name="pl56"/>
+            <p:cNvSpPr/>
+            <p:nvPr/>
+          </p:nvSpPr>
+          <p:spPr>
+            <a:xfrm>
+              <a:off x="7094238" y="5954273"/>
               <a:ext cx="0" cy="37957"/>
             </a:xfrm>
             <a:custGeom>
@@ -4337,7 +4423,87 @@
         </p:sp>
         <p:sp>
           <p:nvSpPr>
-            <p:cNvPr id="55" name="tx55"/>
+            <p:cNvPr id="57" name="pl57"/>
+            <p:cNvSpPr/>
+            <p:nvPr/>
+          </p:nvSpPr>
+          <p:spPr>
+            <a:xfrm>
+              <a:off x="7852561" y="5954273"/>
+              <a:ext cx="0" cy="37957"/>
+            </a:xfrm>
+            <a:custGeom>
+              <a:avLst/>
+              <a:pathLst>
+                <a:path w="0" h="37957">
+                  <a:moveTo>
+                    <a:pt x="0" y="37957"/>
+                  </a:moveTo>
+                  <a:lnTo>
+                    <a:pt x="0" y="0"/>
+                  </a:lnTo>
+                </a:path>
+              </a:pathLst>
+            </a:custGeom>
+            <a:ln w="13550" cap="flat">
+              <a:solidFill>
+                <a:srgbClr val="000000">
+                  <a:alpha val="100000"/>
+                </a:srgbClr>
+              </a:solidFill>
+              <a:prstDash val="solid"/>
+              <a:round/>
+            </a:ln>
+          </p:spPr>
+          <p:txBody>
+            <a:bodyPr/>
+            <a:lstStyle/>
+            <a:p/>
+          </p:txBody>
+        </p:sp>
+        <p:sp>
+          <p:nvSpPr>
+            <p:cNvPr id="58" name="pl58"/>
+            <p:cNvSpPr/>
+            <p:nvPr/>
+          </p:nvSpPr>
+          <p:spPr>
+            <a:xfrm>
+              <a:off x="8610884" y="5954273"/>
+              <a:ext cx="0" cy="37957"/>
+            </a:xfrm>
+            <a:custGeom>
+              <a:avLst/>
+              <a:pathLst>
+                <a:path w="0" h="37957">
+                  <a:moveTo>
+                    <a:pt x="0" y="37957"/>
+                  </a:moveTo>
+                  <a:lnTo>
+                    <a:pt x="0" y="0"/>
+                  </a:lnTo>
+                </a:path>
+              </a:pathLst>
+            </a:custGeom>
+            <a:ln w="13550" cap="flat">
+              <a:solidFill>
+                <a:srgbClr val="000000">
+                  <a:alpha val="100000"/>
+                </a:srgbClr>
+              </a:solidFill>
+              <a:prstDash val="solid"/>
+              <a:round/>
+            </a:ln>
+          </p:spPr>
+          <p:txBody>
+            <a:bodyPr/>
+            <a:lstStyle/>
+            <a:p/>
+          </p:txBody>
+        </p:sp>
+        <p:sp>
+          <p:nvSpPr>
+            <p:cNvPr id="59" name="tx59"/>
             <p:cNvSpPr/>
             <p:nvPr/>
           </p:nvSpPr>
@@ -4383,13 +4549,13 @@
         </p:sp>
         <p:sp>
           <p:nvSpPr>
-            <p:cNvPr id="56" name="tx56"/>
-            <p:cNvSpPr/>
-            <p:nvPr/>
-          </p:nvSpPr>
-          <p:spPr>
-            <a:xfrm>
-              <a:off x="4231437" y="6024447"/>
+            <p:cNvPr id="60" name="tx60"/>
+            <p:cNvSpPr/>
+            <p:nvPr/>
+          </p:nvSpPr>
+          <p:spPr>
+            <a:xfrm>
+              <a:off x="4024621" y="6024447"/>
               <a:ext cx="72649" cy="93825"/>
             </a:xfrm>
             <a:prstGeom prst="rect">
@@ -4429,13 +4595,13 @@
         </p:sp>
         <p:sp>
           <p:nvSpPr>
-            <p:cNvPr id="57" name="tx57"/>
-            <p:cNvSpPr/>
-            <p:nvPr/>
-          </p:nvSpPr>
-          <p:spPr>
-            <a:xfrm>
-              <a:off x="5160250" y="6022788"/>
+            <p:cNvPr id="61" name="tx61"/>
+            <p:cNvSpPr/>
+            <p:nvPr/>
+          </p:nvSpPr>
+          <p:spPr>
+            <a:xfrm>
+              <a:off x="4746620" y="6022788"/>
               <a:ext cx="145298" cy="95483"/>
             </a:xfrm>
             <a:prstGeom prst="rect">
@@ -4475,13 +4641,13 @@
         </p:sp>
         <p:sp>
           <p:nvSpPr>
-            <p:cNvPr id="58" name="tx58"/>
-            <p:cNvSpPr/>
-            <p:nvPr/>
-          </p:nvSpPr>
-          <p:spPr>
-            <a:xfrm>
-              <a:off x="6125389" y="6022788"/>
+            <p:cNvPr id="62" name="tx62"/>
+            <p:cNvSpPr/>
+            <p:nvPr/>
+          </p:nvSpPr>
+          <p:spPr>
+            <a:xfrm>
+              <a:off x="5504943" y="6022788"/>
               <a:ext cx="145298" cy="95483"/>
             </a:xfrm>
             <a:prstGeom prst="rect">
@@ -4521,13 +4687,13 @@
         </p:sp>
         <p:sp>
           <p:nvSpPr>
-            <p:cNvPr id="59" name="tx59"/>
-            <p:cNvSpPr/>
-            <p:nvPr/>
-          </p:nvSpPr>
-          <p:spPr>
-            <a:xfrm>
-              <a:off x="7090527" y="6022788"/>
+            <p:cNvPr id="63" name="tx63"/>
+            <p:cNvSpPr/>
+            <p:nvPr/>
+          </p:nvSpPr>
+          <p:spPr>
+            <a:xfrm>
+              <a:off x="6263266" y="6022788"/>
               <a:ext cx="145298" cy="95483"/>
             </a:xfrm>
             <a:prstGeom prst="rect">
@@ -4567,13 +4733,13 @@
         </p:sp>
         <p:sp>
           <p:nvSpPr>
-            <p:cNvPr id="60" name="tx60"/>
-            <p:cNvSpPr/>
-            <p:nvPr/>
-          </p:nvSpPr>
-          <p:spPr>
-            <a:xfrm>
-              <a:off x="8055666" y="6022788"/>
+            <p:cNvPr id="64" name="tx64"/>
+            <p:cNvSpPr/>
+            <p:nvPr/>
+          </p:nvSpPr>
+          <p:spPr>
+            <a:xfrm>
+              <a:off x="7021589" y="6022788"/>
               <a:ext cx="145298" cy="95483"/>
             </a:xfrm>
             <a:prstGeom prst="rect">
@@ -4613,7 +4779,99 @@
         </p:sp>
         <p:sp>
           <p:nvSpPr>
-            <p:cNvPr id="61" name="tx61"/>
+            <p:cNvPr id="65" name="tx65"/>
+            <p:cNvSpPr/>
+            <p:nvPr/>
+          </p:nvSpPr>
+          <p:spPr>
+            <a:xfrm>
+              <a:off x="7779912" y="6022725"/>
+              <a:ext cx="145298" cy="95547"/>
+            </a:xfrm>
+            <a:prstGeom prst="rect">
+              <a:avLst/>
+            </a:prstGeom>
+            <a:noFill/>
+          </p:spPr>
+          <p:txBody>
+            <a:bodyPr lIns="0" rIns="0" tIns="0" bIns="0" anchorCtr="1" anchor="ctr" wrap="none"/>
+            <a:lstStyle/>
+            <a:p>
+              <a:pPr algn="l" marL="0" marR="0" indent="0">
+                <a:lnSpc>
+                  <a:spcPts val="1028"/>
+                </a:lnSpc>
+                <a:spcBef>
+                  <a:spcPts val="0"/>
+                </a:spcBef>
+                <a:spcAft>
+                  <a:spcPts val="0"/>
+                </a:spcAft>
+              </a:pPr>
+              <a:r>
+                <a:rPr sz="1028">
+                  <a:solidFill>
+                    <a:srgbClr val="000000">
+                      <a:alpha val="100000"/>
+                    </a:srgbClr>
+                  </a:solidFill>
+                  <a:latin typeface="Arial"/>
+                  <a:cs typeface="Arial"/>
+                </a:rPr>
+                <a:t>30</a:t>
+              </a:r>
+            </a:p>
+          </p:txBody>
+        </p:sp>
+        <p:sp>
+          <p:nvSpPr>
+            <p:cNvPr id="66" name="tx66"/>
+            <p:cNvSpPr/>
+            <p:nvPr/>
+          </p:nvSpPr>
+          <p:spPr>
+            <a:xfrm>
+              <a:off x="8538235" y="6022725"/>
+              <a:ext cx="145298" cy="95547"/>
+            </a:xfrm>
+            <a:prstGeom prst="rect">
+              <a:avLst/>
+            </a:prstGeom>
+            <a:noFill/>
+          </p:spPr>
+          <p:txBody>
+            <a:bodyPr lIns="0" rIns="0" tIns="0" bIns="0" anchorCtr="1" anchor="ctr" wrap="none"/>
+            <a:lstStyle/>
+            <a:p>
+              <a:pPr algn="l" marL="0" marR="0" indent="0">
+                <a:lnSpc>
+                  <a:spcPts val="1028"/>
+                </a:lnSpc>
+                <a:spcBef>
+                  <a:spcPts val="0"/>
+                </a:spcBef>
+                <a:spcAft>
+                  <a:spcPts val="0"/>
+                </a:spcAft>
+              </a:pPr>
+              <a:r>
+                <a:rPr sz="1028">
+                  <a:solidFill>
+                    <a:srgbClr val="000000">
+                      <a:alpha val="100000"/>
+                    </a:srgbClr>
+                  </a:solidFill>
+                  <a:latin typeface="Arial"/>
+                  <a:cs typeface="Arial"/>
+                </a:rPr>
+                <a:t>35</a:t>
+              </a:r>
+            </a:p>
+          </p:txBody>
+        </p:sp>
+        <p:sp>
+          <p:nvSpPr>
+            <p:cNvPr id="67" name="tx67"/>
             <p:cNvSpPr/>
             <p:nvPr/>
           </p:nvSpPr>
@@ -4659,7 +4917,7 @@
         </p:sp>
         <p:sp>
           <p:nvSpPr>
-            <p:cNvPr id="62" name="tx62"/>
+            <p:cNvPr id="68" name="tx68"/>
             <p:cNvSpPr/>
             <p:nvPr/>
           </p:nvSpPr>
@@ -4705,7 +4963,7 @@
         </p:sp>
         <p:sp>
           <p:nvSpPr>
-            <p:cNvPr id="63" name="tx63"/>
+            <p:cNvPr id="69" name="tx69"/>
             <p:cNvSpPr/>
             <p:nvPr/>
           </p:nvSpPr>

--- a/results/figures/pptx/forgone_care_causes.pptx
+++ b/results/figures/pptx/forgone_care_causes.pptx
@@ -2314,7 +2314,7 @@
           </p:nvSpPr>
           <p:spPr>
             <a:xfrm>
-              <a:off x="4060946" y="1415665"/>
+              <a:off x="4164354" y="1415665"/>
               <a:ext cx="0" cy="4538608"/>
             </a:xfrm>
             <a:custGeom>
@@ -2357,7 +2357,7 @@
           </p:nvSpPr>
           <p:spPr>
             <a:xfrm>
-              <a:off x="4819269" y="1415665"/>
+              <a:off x="5026084" y="1415665"/>
               <a:ext cx="0" cy="4538608"/>
             </a:xfrm>
             <a:custGeom>
@@ -2400,7 +2400,7 @@
           </p:nvSpPr>
           <p:spPr>
             <a:xfrm>
-              <a:off x="5577592" y="1415665"/>
+              <a:off x="5887815" y="1415665"/>
               <a:ext cx="0" cy="4538608"/>
             </a:xfrm>
             <a:custGeom>
@@ -2443,7 +2443,7 @@
           </p:nvSpPr>
           <p:spPr>
             <a:xfrm>
-              <a:off x="6335915" y="1415665"/>
+              <a:off x="6749546" y="1415665"/>
               <a:ext cx="0" cy="4538608"/>
             </a:xfrm>
             <a:custGeom>
@@ -2486,7 +2486,7 @@
           </p:nvSpPr>
           <p:spPr>
             <a:xfrm>
-              <a:off x="7094238" y="1415665"/>
+              <a:off x="7611277" y="1415665"/>
               <a:ext cx="0" cy="4538608"/>
             </a:xfrm>
             <a:custGeom>
@@ -2529,7 +2529,7 @@
           </p:nvSpPr>
           <p:spPr>
             <a:xfrm>
-              <a:off x="7852561" y="1415665"/>
+              <a:off x="8473007" y="1415665"/>
               <a:ext cx="0" cy="4538608"/>
             </a:xfrm>
             <a:custGeom>
@@ -2566,50 +2566,7 @@
         </p:sp>
         <p:sp>
           <p:nvSpPr>
-            <p:cNvPr id="11" name="pl11"/>
-            <p:cNvSpPr/>
-            <p:nvPr/>
-          </p:nvSpPr>
-          <p:spPr>
-            <a:xfrm>
-              <a:off x="8610884" y="1415665"/>
-              <a:ext cx="0" cy="4538608"/>
-            </a:xfrm>
-            <a:custGeom>
-              <a:avLst/>
-              <a:pathLst>
-                <a:path w="0" h="4538608">
-                  <a:moveTo>
-                    <a:pt x="0" y="4538608"/>
-                  </a:moveTo>
-                  <a:lnTo>
-                    <a:pt x="0" y="0"/>
-                  </a:lnTo>
-                  <a:lnTo>
-                    <a:pt x="0" y="0"/>
-                  </a:lnTo>
-                </a:path>
-              </a:pathLst>
-            </a:custGeom>
-            <a:ln w="13550" cap="flat">
-              <a:solidFill>
-                <a:srgbClr val="D3D3D3">
-                  <a:alpha val="100000"/>
-                </a:srgbClr>
-              </a:solidFill>
-              <a:prstDash val="solid"/>
-              <a:round/>
-            </a:ln>
-          </p:spPr>
-          <p:txBody>
-            <a:bodyPr/>
-            <a:lstStyle/>
-            <a:p/>
-          </p:txBody>
-        </p:sp>
-        <p:sp>
-          <p:nvSpPr>
-            <p:cNvPr id="12" name="rc12"/>
+            <p:cNvPr id="11" name="rc11"/>
             <p:cNvSpPr/>
             <p:nvPr/>
           </p:nvSpPr>
@@ -2635,14 +2592,14 @@
         </p:sp>
         <p:sp>
           <p:nvSpPr>
-            <p:cNvPr id="13" name="rc13"/>
+            <p:cNvPr id="12" name="rc12"/>
             <p:cNvSpPr/>
             <p:nvPr/>
           </p:nvSpPr>
           <p:spPr>
             <a:xfrm>
               <a:off x="3302623" y="2052177"/>
-              <a:ext cx="2729963" cy="498139"/>
+              <a:ext cx="2929884" cy="498139"/>
             </a:xfrm>
             <a:prstGeom prst="rect">
               <a:avLst/>
@@ -2661,14 +2618,14 @@
         </p:sp>
         <p:sp>
           <p:nvSpPr>
-            <p:cNvPr id="14" name="rc14"/>
-            <p:cNvSpPr/>
-            <p:nvPr/>
-          </p:nvSpPr>
-          <p:spPr>
-            <a:xfrm>
-              <a:off x="3302623" y="2605666"/>
-              <a:ext cx="2578298" cy="498139"/>
+            <p:cNvPr id="13" name="rc13"/>
+            <p:cNvSpPr/>
+            <p:nvPr/>
+          </p:nvSpPr>
+          <p:spPr>
+            <a:xfrm>
+              <a:off x="3302623" y="3159155"/>
+              <a:ext cx="2585192" cy="498139"/>
             </a:xfrm>
             <a:prstGeom prst="rect">
               <a:avLst/>
@@ -2687,14 +2644,14 @@
         </p:sp>
         <p:sp>
           <p:nvSpPr>
-            <p:cNvPr id="15" name="rc15"/>
-            <p:cNvSpPr/>
-            <p:nvPr/>
-          </p:nvSpPr>
-          <p:spPr>
-            <a:xfrm>
-              <a:off x="3302623" y="3159155"/>
-              <a:ext cx="2274969" cy="498139"/>
+            <p:cNvPr id="14" name="rc14"/>
+            <p:cNvSpPr/>
+            <p:nvPr/>
+          </p:nvSpPr>
+          <p:spPr>
+            <a:xfrm>
+              <a:off x="3302623" y="2605666"/>
+              <a:ext cx="2585192" cy="498139"/>
             </a:xfrm>
             <a:prstGeom prst="rect">
               <a:avLst/>
@@ -2713,14 +2670,14 @@
         </p:sp>
         <p:sp>
           <p:nvSpPr>
-            <p:cNvPr id="16" name="rc16"/>
+            <p:cNvPr id="15" name="rc15"/>
             <p:cNvSpPr/>
             <p:nvPr/>
           </p:nvSpPr>
           <p:spPr>
             <a:xfrm>
               <a:off x="3302623" y="3712643"/>
-              <a:ext cx="1668310" cy="498139"/>
+              <a:ext cx="2068153" cy="498139"/>
             </a:xfrm>
             <a:prstGeom prst="rect">
               <a:avLst/>
@@ -2739,14 +2696,14 @@
         </p:sp>
         <p:sp>
           <p:nvSpPr>
-            <p:cNvPr id="17" name="rc17"/>
+            <p:cNvPr id="16" name="rc16"/>
             <p:cNvSpPr/>
             <p:nvPr/>
           </p:nvSpPr>
           <p:spPr>
             <a:xfrm>
               <a:off x="3302623" y="4266132"/>
-              <a:ext cx="1364981" cy="498139"/>
+              <a:ext cx="1723461" cy="498139"/>
             </a:xfrm>
             <a:prstGeom prst="rect">
               <a:avLst/>
@@ -2765,14 +2722,14 @@
         </p:sp>
         <p:sp>
           <p:nvSpPr>
-            <p:cNvPr id="18" name="rc18"/>
+            <p:cNvPr id="17" name="rc17"/>
             <p:cNvSpPr/>
             <p:nvPr/>
           </p:nvSpPr>
           <p:spPr>
             <a:xfrm>
               <a:off x="3302623" y="4819621"/>
-              <a:ext cx="1213316" cy="498139"/>
+              <a:ext cx="1378769" cy="498139"/>
             </a:xfrm>
             <a:prstGeom prst="rect">
               <a:avLst/>
@@ -2791,14 +2748,14 @@
         </p:sp>
         <p:sp>
           <p:nvSpPr>
-            <p:cNvPr id="19" name="rc19"/>
+            <p:cNvPr id="18" name="rc18"/>
             <p:cNvSpPr/>
             <p:nvPr/>
           </p:nvSpPr>
           <p:spPr>
             <a:xfrm>
               <a:off x="3302623" y="5373110"/>
-              <a:ext cx="454993" cy="498139"/>
+              <a:ext cx="344692" cy="498139"/>
             </a:xfrm>
             <a:prstGeom prst="rect">
               <a:avLst/>
@@ -2817,7 +2774,7 @@
         </p:sp>
         <p:sp>
           <p:nvSpPr>
-            <p:cNvPr id="20" name="tx20"/>
+            <p:cNvPr id="19" name="tx19"/>
             <p:cNvSpPr/>
             <p:nvPr/>
           </p:nvSpPr>
@@ -2856,20 +2813,20 @@
                   <a:latin typeface="Arial"/>
                   <a:cs typeface="Arial"/>
                 </a:rPr>
-                <a:t>25 (48%)</a:t>
+                <a:t>22 (44%)</a:t>
               </a:r>
             </a:p>
           </p:txBody>
         </p:sp>
         <p:sp>
           <p:nvSpPr>
-            <p:cNvPr id="21" name="tx21"/>
-            <p:cNvSpPr/>
-            <p:nvPr/>
-          </p:nvSpPr>
-          <p:spPr>
-            <a:xfrm>
-              <a:off x="6215863" y="2196353"/>
+            <p:cNvPr id="20" name="tx20"/>
+            <p:cNvSpPr/>
+            <p:nvPr/>
+          </p:nvSpPr>
+          <p:spPr>
+            <a:xfrm>
+              <a:off x="6415785" y="2196353"/>
               <a:ext cx="733109" cy="169559"/>
             </a:xfrm>
             <a:prstGeom prst="rect">
@@ -2902,20 +2859,20 @@
                   <a:latin typeface="Arial"/>
                   <a:cs typeface="Arial"/>
                 </a:rPr>
-                <a:t>18 (35%)</a:t>
+                <a:t>17 (34%)</a:t>
               </a:r>
             </a:p>
           </p:txBody>
         </p:sp>
         <p:sp>
           <p:nvSpPr>
-            <p:cNvPr id="22" name="tx22"/>
-            <p:cNvSpPr/>
-            <p:nvPr/>
-          </p:nvSpPr>
-          <p:spPr>
-            <a:xfrm>
-              <a:off x="6064199" y="2749842"/>
+            <p:cNvPr id="21" name="tx21"/>
+            <p:cNvSpPr/>
+            <p:nvPr/>
+          </p:nvSpPr>
+          <p:spPr>
+            <a:xfrm>
+              <a:off x="6071093" y="3303331"/>
               <a:ext cx="733109" cy="169559"/>
             </a:xfrm>
             <a:prstGeom prst="rect">
@@ -2948,20 +2905,20 @@
                   <a:latin typeface="Arial"/>
                   <a:cs typeface="Arial"/>
                 </a:rPr>
-                <a:t>17 (33%)</a:t>
+                <a:t>15 (30%)</a:t>
               </a:r>
             </a:p>
           </p:txBody>
         </p:sp>
         <p:sp>
           <p:nvSpPr>
-            <p:cNvPr id="23" name="tx23"/>
-            <p:cNvSpPr/>
-            <p:nvPr/>
-          </p:nvSpPr>
-          <p:spPr>
-            <a:xfrm>
-              <a:off x="5760869" y="3303331"/>
+            <p:cNvPr id="22" name="tx22"/>
+            <p:cNvSpPr/>
+            <p:nvPr/>
+          </p:nvSpPr>
+          <p:spPr>
+            <a:xfrm>
+              <a:off x="6071093" y="2749842"/>
               <a:ext cx="733109" cy="169559"/>
             </a:xfrm>
             <a:prstGeom prst="rect">
@@ -2994,20 +2951,20 @@
                   <a:latin typeface="Arial"/>
                   <a:cs typeface="Arial"/>
                 </a:rPr>
-                <a:t>15 (29%)</a:t>
+                <a:t>15 (30%)</a:t>
               </a:r>
             </a:p>
           </p:txBody>
         </p:sp>
         <p:sp>
           <p:nvSpPr>
-            <p:cNvPr id="24" name="tx24"/>
-            <p:cNvSpPr/>
-            <p:nvPr/>
-          </p:nvSpPr>
-          <p:spPr>
-            <a:xfrm>
-              <a:off x="5154211" y="3856820"/>
+            <p:cNvPr id="23" name="tx23"/>
+            <p:cNvSpPr/>
+            <p:nvPr/>
+          </p:nvSpPr>
+          <p:spPr>
+            <a:xfrm>
+              <a:off x="5554054" y="3856820"/>
               <a:ext cx="733109" cy="169559"/>
             </a:xfrm>
             <a:prstGeom prst="rect">
@@ -3040,21 +2997,21 @@
                   <a:latin typeface="Arial"/>
                   <a:cs typeface="Arial"/>
                 </a:rPr>
-                <a:t>11 (21%)</a:t>
+                <a:t>12 (24%)</a:t>
               </a:r>
             </a:p>
           </p:txBody>
         </p:sp>
         <p:sp>
           <p:nvSpPr>
-            <p:cNvPr id="25" name="tx25"/>
-            <p:cNvSpPr/>
-            <p:nvPr/>
-          </p:nvSpPr>
-          <p:spPr>
-            <a:xfrm>
-              <a:off x="4825761" y="4410308"/>
-              <a:ext cx="632627" cy="169559"/>
+            <p:cNvPr id="24" name="tx24"/>
+            <p:cNvSpPr/>
+            <p:nvPr/>
+          </p:nvSpPr>
+          <p:spPr>
+            <a:xfrm>
+              <a:off x="5209362" y="4410308"/>
+              <a:ext cx="733109" cy="169559"/>
             </a:xfrm>
             <a:prstGeom prst="rect">
               <a:avLst/>
@@ -3086,20 +3043,20 @@
                   <a:latin typeface="Arial"/>
                   <a:cs typeface="Arial"/>
                 </a:rPr>
-                <a:t>9 (17%)</a:t>
+                <a:t>10 (20%)</a:t>
               </a:r>
             </a:p>
           </p:txBody>
         </p:sp>
         <p:sp>
           <p:nvSpPr>
-            <p:cNvPr id="26" name="tx26"/>
-            <p:cNvSpPr/>
-            <p:nvPr/>
-          </p:nvSpPr>
-          <p:spPr>
-            <a:xfrm>
-              <a:off x="4674096" y="4963797"/>
+            <p:cNvPr id="25" name="tx25"/>
+            <p:cNvSpPr/>
+            <p:nvPr/>
+          </p:nvSpPr>
+          <p:spPr>
+            <a:xfrm>
+              <a:off x="4839549" y="4963797"/>
               <a:ext cx="632627" cy="169559"/>
             </a:xfrm>
             <a:prstGeom prst="rect">
@@ -3132,20 +3089,20 @@
                   <a:latin typeface="Arial"/>
                   <a:cs typeface="Arial"/>
                 </a:rPr>
-                <a:t>8 (15%)</a:t>
+                <a:t>8 (16%)</a:t>
               </a:r>
             </a:p>
           </p:txBody>
         </p:sp>
         <p:sp>
           <p:nvSpPr>
-            <p:cNvPr id="27" name="tx27"/>
-            <p:cNvSpPr/>
-            <p:nvPr/>
-          </p:nvSpPr>
-          <p:spPr>
-            <a:xfrm>
-              <a:off x="3890653" y="5517286"/>
+            <p:cNvPr id="26" name="tx26"/>
+            <p:cNvSpPr/>
+            <p:nvPr/>
+          </p:nvSpPr>
+          <p:spPr>
+            <a:xfrm>
+              <a:off x="3780351" y="5517286"/>
               <a:ext cx="532144" cy="169559"/>
             </a:xfrm>
             <a:prstGeom prst="rect">
@@ -3178,14 +3135,14 @@
                   <a:latin typeface="Arial"/>
                   <a:cs typeface="Arial"/>
                 </a:rPr>
-                <a:t>3 (6%)</a:t>
+                <a:t>2 (4%)</a:t>
               </a:r>
             </a:p>
           </p:txBody>
         </p:sp>
         <p:sp>
           <p:nvSpPr>
-            <p:cNvPr id="28" name="pl28"/>
+            <p:cNvPr id="27" name="pl27"/>
             <p:cNvSpPr/>
             <p:nvPr/>
           </p:nvSpPr>
@@ -3225,7 +3182,7 @@
         </p:sp>
         <p:sp>
           <p:nvSpPr>
-            <p:cNvPr id="29" name="tx29"/>
+            <p:cNvPr id="28" name="tx28"/>
             <p:cNvSpPr/>
             <p:nvPr/>
           </p:nvSpPr>
@@ -3271,7 +3228,7 @@
         </p:sp>
         <p:sp>
           <p:nvSpPr>
-            <p:cNvPr id="30" name="tx30"/>
+            <p:cNvPr id="29" name="tx29"/>
             <p:cNvSpPr/>
             <p:nvPr/>
           </p:nvSpPr>
@@ -3317,7 +3274,7 @@
         </p:sp>
         <p:sp>
           <p:nvSpPr>
-            <p:cNvPr id="31" name="tx31"/>
+            <p:cNvPr id="30" name="tx30"/>
             <p:cNvSpPr/>
             <p:nvPr/>
           </p:nvSpPr>
@@ -3363,7 +3320,7 @@
         </p:sp>
         <p:sp>
           <p:nvSpPr>
-            <p:cNvPr id="32" name="tx32"/>
+            <p:cNvPr id="31" name="tx31"/>
             <p:cNvSpPr/>
             <p:nvPr/>
           </p:nvSpPr>
@@ -3409,7 +3366,7 @@
         </p:sp>
         <p:sp>
           <p:nvSpPr>
-            <p:cNvPr id="33" name="tx33"/>
+            <p:cNvPr id="32" name="tx32"/>
             <p:cNvSpPr/>
             <p:nvPr/>
           </p:nvSpPr>
@@ -3455,7 +3412,7 @@
         </p:sp>
         <p:sp>
           <p:nvSpPr>
-            <p:cNvPr id="34" name="tx34"/>
+            <p:cNvPr id="33" name="tx33"/>
             <p:cNvSpPr/>
             <p:nvPr/>
           </p:nvSpPr>
@@ -3501,13 +3458,59 @@
         </p:sp>
         <p:sp>
           <p:nvSpPr>
+            <p:cNvPr id="34" name="tx34"/>
+            <p:cNvSpPr/>
+            <p:nvPr/>
+          </p:nvSpPr>
+          <p:spPr>
+            <a:xfrm>
+              <a:off x="1460608" y="3332386"/>
+              <a:ext cx="1771522" cy="122591"/>
+            </a:xfrm>
+            <a:prstGeom prst="rect">
+              <a:avLst/>
+            </a:prstGeom>
+            <a:noFill/>
+          </p:spPr>
+          <p:txBody>
+            <a:bodyPr lIns="0" rIns="0" tIns="0" bIns="0" anchorCtr="1" anchor="ctr" wrap="none"/>
+            <a:lstStyle/>
+            <a:p>
+              <a:pPr algn="l" marL="0" marR="0" indent="0">
+                <a:lnSpc>
+                  <a:spcPts val="1028"/>
+                </a:lnSpc>
+                <a:spcBef>
+                  <a:spcPts val="0"/>
+                </a:spcBef>
+                <a:spcAft>
+                  <a:spcPts val="0"/>
+                </a:spcAft>
+              </a:pPr>
+              <a:r>
+                <a:rPr sz="1028">
+                  <a:solidFill>
+                    <a:srgbClr val="000000">
+                      <a:alpha val="100000"/>
+                    </a:srgbClr>
+                  </a:solidFill>
+                  <a:latin typeface="Arial"/>
+                  <a:cs typeface="Arial"/>
+                </a:rPr>
+                <a:t>Difficultés pour payer les soins</a:t>
+              </a:r>
+            </a:p>
+          </p:txBody>
+        </p:sp>
+        <p:sp>
+          <p:nvSpPr>
             <p:cNvPr id="35" name="tx35"/>
             <p:cNvSpPr/>
             <p:nvPr/>
           </p:nvSpPr>
           <p:spPr>
             <a:xfrm>
-              <a:off x="818244" y="3264462"/>
+              <a:off x="818244" y="2710973"/>
               <a:ext cx="2413885" cy="119976"/>
             </a:xfrm>
             <a:prstGeom prst="rect">
@@ -3553,7 +3556,7 @@
           </p:nvSpPr>
           <p:spPr>
             <a:xfrm>
-              <a:off x="2270339" y="3430480"/>
+              <a:off x="2270339" y="2876991"/>
               <a:ext cx="961791" cy="95037"/>
             </a:xfrm>
             <a:prstGeom prst="rect">
@@ -3599,52 +3602,6 @@
           </p:nvSpPr>
           <p:spPr>
             <a:xfrm>
-              <a:off x="1460608" y="2778897"/>
-              <a:ext cx="1771522" cy="122591"/>
-            </a:xfrm>
-            <a:prstGeom prst="rect">
-              <a:avLst/>
-            </a:prstGeom>
-            <a:noFill/>
-          </p:spPr>
-          <p:txBody>
-            <a:bodyPr lIns="0" rIns="0" tIns="0" bIns="0" anchorCtr="1" anchor="ctr" wrap="none"/>
-            <a:lstStyle/>
-            <a:p>
-              <a:pPr algn="l" marL="0" marR="0" indent="0">
-                <a:lnSpc>
-                  <a:spcPts val="1028"/>
-                </a:lnSpc>
-                <a:spcBef>
-                  <a:spcPts val="0"/>
-                </a:spcBef>
-                <a:spcAft>
-                  <a:spcPts val="0"/>
-                </a:spcAft>
-              </a:pPr>
-              <a:r>
-                <a:rPr sz="1028">
-                  <a:solidFill>
-                    <a:srgbClr val="000000">
-                      <a:alpha val="100000"/>
-                    </a:srgbClr>
-                  </a:solidFill>
-                  <a:latin typeface="Arial"/>
-                  <a:cs typeface="Arial"/>
-                </a:rPr>
-                <a:t>Difficultés pour payer les soins</a:t>
-              </a:r>
-            </a:p>
-          </p:txBody>
-        </p:sp>
-        <p:sp>
-          <p:nvSpPr>
-            <p:cNvPr id="38" name="tx38"/>
-            <p:cNvSpPr/>
-            <p:nvPr/>
-          </p:nvSpPr>
-          <p:spPr>
-            <a:xfrm>
               <a:off x="712236" y="2086945"/>
               <a:ext cx="2519894" cy="119976"/>
             </a:xfrm>
@@ -3685,7 +3642,7 @@
         </p:sp>
         <p:sp>
           <p:nvSpPr>
-            <p:cNvPr id="39" name="tx39"/>
+            <p:cNvPr id="38" name="tx38"/>
             <p:cNvSpPr/>
             <p:nvPr/>
           </p:nvSpPr>
@@ -3731,7 +3688,7 @@
         </p:sp>
         <p:sp>
           <p:nvSpPr>
-            <p:cNvPr id="40" name="tx40"/>
+            <p:cNvPr id="39" name="tx39"/>
             <p:cNvSpPr/>
             <p:nvPr/>
           </p:nvSpPr>
@@ -3777,7 +3734,7 @@
         </p:sp>
         <p:sp>
           <p:nvSpPr>
-            <p:cNvPr id="41" name="tx41"/>
+            <p:cNvPr id="40" name="tx40"/>
             <p:cNvSpPr/>
             <p:nvPr/>
           </p:nvSpPr>
@@ -3823,7 +3780,7 @@
         </p:sp>
         <p:sp>
           <p:nvSpPr>
-            <p:cNvPr id="42" name="pl42"/>
+            <p:cNvPr id="41" name="pl41"/>
             <p:cNvSpPr/>
             <p:nvPr/>
           </p:nvSpPr>
@@ -3863,7 +3820,7 @@
         </p:sp>
         <p:sp>
           <p:nvSpPr>
-            <p:cNvPr id="43" name="pl43"/>
+            <p:cNvPr id="42" name="pl42"/>
             <p:cNvSpPr/>
             <p:nvPr/>
           </p:nvSpPr>
@@ -3903,7 +3860,7 @@
         </p:sp>
         <p:sp>
           <p:nvSpPr>
-            <p:cNvPr id="44" name="pl44"/>
+            <p:cNvPr id="43" name="pl43"/>
             <p:cNvSpPr/>
             <p:nvPr/>
           </p:nvSpPr>
@@ -3943,7 +3900,7 @@
         </p:sp>
         <p:sp>
           <p:nvSpPr>
-            <p:cNvPr id="45" name="pl45"/>
+            <p:cNvPr id="44" name="pl44"/>
             <p:cNvSpPr/>
             <p:nvPr/>
           </p:nvSpPr>
@@ -3983,7 +3940,7 @@
         </p:sp>
         <p:sp>
           <p:nvSpPr>
-            <p:cNvPr id="46" name="pl46"/>
+            <p:cNvPr id="45" name="pl45"/>
             <p:cNvSpPr/>
             <p:nvPr/>
           </p:nvSpPr>
@@ -4023,7 +3980,7 @@
         </p:sp>
         <p:sp>
           <p:nvSpPr>
-            <p:cNvPr id="47" name="pl47"/>
+            <p:cNvPr id="46" name="pl46"/>
             <p:cNvSpPr/>
             <p:nvPr/>
           </p:nvSpPr>
@@ -4063,7 +4020,7 @@
         </p:sp>
         <p:sp>
           <p:nvSpPr>
-            <p:cNvPr id="48" name="pl48"/>
+            <p:cNvPr id="47" name="pl47"/>
             <p:cNvSpPr/>
             <p:nvPr/>
           </p:nvSpPr>
@@ -4103,7 +4060,7 @@
         </p:sp>
         <p:sp>
           <p:nvSpPr>
-            <p:cNvPr id="49" name="pl49"/>
+            <p:cNvPr id="48" name="pl48"/>
             <p:cNvSpPr/>
             <p:nvPr/>
           </p:nvSpPr>
@@ -4143,7 +4100,7 @@
         </p:sp>
         <p:sp>
           <p:nvSpPr>
-            <p:cNvPr id="50" name="pl50"/>
+            <p:cNvPr id="49" name="pl49"/>
             <p:cNvSpPr/>
             <p:nvPr/>
           </p:nvSpPr>
@@ -4183,7 +4140,7 @@
         </p:sp>
         <p:sp>
           <p:nvSpPr>
-            <p:cNvPr id="51" name="pl51"/>
+            <p:cNvPr id="50" name="pl50"/>
             <p:cNvSpPr/>
             <p:nvPr/>
           </p:nvSpPr>
@@ -4223,13 +4180,13 @@
         </p:sp>
         <p:sp>
           <p:nvSpPr>
-            <p:cNvPr id="52" name="pl52"/>
-            <p:cNvSpPr/>
-            <p:nvPr/>
-          </p:nvSpPr>
-          <p:spPr>
-            <a:xfrm>
-              <a:off x="4060946" y="5954273"/>
+            <p:cNvPr id="51" name="pl51"/>
+            <p:cNvSpPr/>
+            <p:nvPr/>
+          </p:nvSpPr>
+          <p:spPr>
+            <a:xfrm>
+              <a:off x="4164354" y="5954273"/>
               <a:ext cx="0" cy="37957"/>
             </a:xfrm>
             <a:custGeom>
@@ -4263,13 +4220,13 @@
         </p:sp>
         <p:sp>
           <p:nvSpPr>
-            <p:cNvPr id="53" name="pl53"/>
-            <p:cNvSpPr/>
-            <p:nvPr/>
-          </p:nvSpPr>
-          <p:spPr>
-            <a:xfrm>
-              <a:off x="4819269" y="5954273"/>
+            <p:cNvPr id="52" name="pl52"/>
+            <p:cNvSpPr/>
+            <p:nvPr/>
+          </p:nvSpPr>
+          <p:spPr>
+            <a:xfrm>
+              <a:off x="5026084" y="5954273"/>
               <a:ext cx="0" cy="37957"/>
             </a:xfrm>
             <a:custGeom>
@@ -4303,13 +4260,13 @@
         </p:sp>
         <p:sp>
           <p:nvSpPr>
-            <p:cNvPr id="54" name="pl54"/>
-            <p:cNvSpPr/>
-            <p:nvPr/>
-          </p:nvSpPr>
-          <p:spPr>
-            <a:xfrm>
-              <a:off x="5577592" y="5954273"/>
+            <p:cNvPr id="53" name="pl53"/>
+            <p:cNvSpPr/>
+            <p:nvPr/>
+          </p:nvSpPr>
+          <p:spPr>
+            <a:xfrm>
+              <a:off x="5887815" y="5954273"/>
               <a:ext cx="0" cy="37957"/>
             </a:xfrm>
             <a:custGeom>
@@ -4343,13 +4300,13 @@
         </p:sp>
         <p:sp>
           <p:nvSpPr>
-            <p:cNvPr id="55" name="pl55"/>
-            <p:cNvSpPr/>
-            <p:nvPr/>
-          </p:nvSpPr>
-          <p:spPr>
-            <a:xfrm>
-              <a:off x="6335915" y="5954273"/>
+            <p:cNvPr id="54" name="pl54"/>
+            <p:cNvSpPr/>
+            <p:nvPr/>
+          </p:nvSpPr>
+          <p:spPr>
+            <a:xfrm>
+              <a:off x="6749546" y="5954273"/>
               <a:ext cx="0" cy="37957"/>
             </a:xfrm>
             <a:custGeom>
@@ -4383,13 +4340,13 @@
         </p:sp>
         <p:sp>
           <p:nvSpPr>
-            <p:cNvPr id="56" name="pl56"/>
-            <p:cNvSpPr/>
-            <p:nvPr/>
-          </p:nvSpPr>
-          <p:spPr>
-            <a:xfrm>
-              <a:off x="7094238" y="5954273"/>
+            <p:cNvPr id="55" name="pl55"/>
+            <p:cNvSpPr/>
+            <p:nvPr/>
+          </p:nvSpPr>
+          <p:spPr>
+            <a:xfrm>
+              <a:off x="7611277" y="5954273"/>
               <a:ext cx="0" cy="37957"/>
             </a:xfrm>
             <a:custGeom>
@@ -4423,13 +4380,13 @@
         </p:sp>
         <p:sp>
           <p:nvSpPr>
-            <p:cNvPr id="57" name="pl57"/>
-            <p:cNvSpPr/>
-            <p:nvPr/>
-          </p:nvSpPr>
-          <p:spPr>
-            <a:xfrm>
-              <a:off x="7852561" y="5954273"/>
+            <p:cNvPr id="56" name="pl56"/>
+            <p:cNvSpPr/>
+            <p:nvPr/>
+          </p:nvSpPr>
+          <p:spPr>
+            <a:xfrm>
+              <a:off x="8473007" y="5954273"/>
               <a:ext cx="0" cy="37957"/>
             </a:xfrm>
             <a:custGeom>
@@ -4463,47 +4420,7 @@
         </p:sp>
         <p:sp>
           <p:nvSpPr>
-            <p:cNvPr id="58" name="pl58"/>
-            <p:cNvSpPr/>
-            <p:nvPr/>
-          </p:nvSpPr>
-          <p:spPr>
-            <a:xfrm>
-              <a:off x="8610884" y="5954273"/>
-              <a:ext cx="0" cy="37957"/>
-            </a:xfrm>
-            <a:custGeom>
-              <a:avLst/>
-              <a:pathLst>
-                <a:path w="0" h="37957">
-                  <a:moveTo>
-                    <a:pt x="0" y="37957"/>
-                  </a:moveTo>
-                  <a:lnTo>
-                    <a:pt x="0" y="0"/>
-                  </a:lnTo>
-                </a:path>
-              </a:pathLst>
-            </a:custGeom>
-            <a:ln w="13550" cap="flat">
-              <a:solidFill>
-                <a:srgbClr val="000000">
-                  <a:alpha val="100000"/>
-                </a:srgbClr>
-              </a:solidFill>
-              <a:prstDash val="solid"/>
-              <a:round/>
-            </a:ln>
-          </p:spPr>
-          <p:txBody>
-            <a:bodyPr/>
-            <a:lstStyle/>
-            <a:p/>
-          </p:txBody>
-        </p:sp>
-        <p:sp>
-          <p:nvSpPr>
-            <p:cNvPr id="59" name="tx59"/>
+            <p:cNvPr id="57" name="tx57"/>
             <p:cNvSpPr/>
             <p:nvPr/>
           </p:nvSpPr>
@@ -4549,13 +4466,13 @@
         </p:sp>
         <p:sp>
           <p:nvSpPr>
-            <p:cNvPr id="60" name="tx60"/>
-            <p:cNvSpPr/>
-            <p:nvPr/>
-          </p:nvSpPr>
-          <p:spPr>
-            <a:xfrm>
-              <a:off x="4024621" y="6024447"/>
+            <p:cNvPr id="58" name="tx58"/>
+            <p:cNvSpPr/>
+            <p:nvPr/>
+          </p:nvSpPr>
+          <p:spPr>
+            <a:xfrm>
+              <a:off x="4128029" y="6024447"/>
               <a:ext cx="72649" cy="93825"/>
             </a:xfrm>
             <a:prstGeom prst="rect">
@@ -4595,13 +4512,13 @@
         </p:sp>
         <p:sp>
           <p:nvSpPr>
-            <p:cNvPr id="61" name="tx61"/>
-            <p:cNvSpPr/>
-            <p:nvPr/>
-          </p:nvSpPr>
-          <p:spPr>
-            <a:xfrm>
-              <a:off x="4746620" y="6022788"/>
+            <p:cNvPr id="59" name="tx59"/>
+            <p:cNvSpPr/>
+            <p:nvPr/>
+          </p:nvSpPr>
+          <p:spPr>
+            <a:xfrm>
+              <a:off x="4953435" y="6022788"/>
               <a:ext cx="145298" cy="95483"/>
             </a:xfrm>
             <a:prstGeom prst="rect">
@@ -4641,13 +4558,13 @@
         </p:sp>
         <p:sp>
           <p:nvSpPr>
-            <p:cNvPr id="62" name="tx62"/>
-            <p:cNvSpPr/>
-            <p:nvPr/>
-          </p:nvSpPr>
-          <p:spPr>
-            <a:xfrm>
-              <a:off x="5504943" y="6022788"/>
+            <p:cNvPr id="60" name="tx60"/>
+            <p:cNvSpPr/>
+            <p:nvPr/>
+          </p:nvSpPr>
+          <p:spPr>
+            <a:xfrm>
+              <a:off x="5815166" y="6022788"/>
               <a:ext cx="145298" cy="95483"/>
             </a:xfrm>
             <a:prstGeom prst="rect">
@@ -4687,13 +4604,13 @@
         </p:sp>
         <p:sp>
           <p:nvSpPr>
-            <p:cNvPr id="63" name="tx63"/>
-            <p:cNvSpPr/>
-            <p:nvPr/>
-          </p:nvSpPr>
-          <p:spPr>
-            <a:xfrm>
-              <a:off x="6263266" y="6022788"/>
+            <p:cNvPr id="61" name="tx61"/>
+            <p:cNvSpPr/>
+            <p:nvPr/>
+          </p:nvSpPr>
+          <p:spPr>
+            <a:xfrm>
+              <a:off x="6676896" y="6022788"/>
               <a:ext cx="145298" cy="95483"/>
             </a:xfrm>
             <a:prstGeom prst="rect">
@@ -4733,13 +4650,13 @@
         </p:sp>
         <p:sp>
           <p:nvSpPr>
-            <p:cNvPr id="64" name="tx64"/>
-            <p:cNvSpPr/>
-            <p:nvPr/>
-          </p:nvSpPr>
-          <p:spPr>
-            <a:xfrm>
-              <a:off x="7021589" y="6022788"/>
+            <p:cNvPr id="62" name="tx62"/>
+            <p:cNvSpPr/>
+            <p:nvPr/>
+          </p:nvSpPr>
+          <p:spPr>
+            <a:xfrm>
+              <a:off x="7538627" y="6022788"/>
               <a:ext cx="145298" cy="95483"/>
             </a:xfrm>
             <a:prstGeom prst="rect">
@@ -4779,13 +4696,13 @@
         </p:sp>
         <p:sp>
           <p:nvSpPr>
-            <p:cNvPr id="65" name="tx65"/>
-            <p:cNvSpPr/>
-            <p:nvPr/>
-          </p:nvSpPr>
-          <p:spPr>
-            <a:xfrm>
-              <a:off x="7779912" y="6022725"/>
+            <p:cNvPr id="63" name="tx63"/>
+            <p:cNvSpPr/>
+            <p:nvPr/>
+          </p:nvSpPr>
+          <p:spPr>
+            <a:xfrm>
+              <a:off x="8400358" y="6022725"/>
               <a:ext cx="145298" cy="95547"/>
             </a:xfrm>
             <a:prstGeom prst="rect">
@@ -4825,53 +4742,7 @@
         </p:sp>
         <p:sp>
           <p:nvSpPr>
-            <p:cNvPr id="66" name="tx66"/>
-            <p:cNvSpPr/>
-            <p:nvPr/>
-          </p:nvSpPr>
-          <p:spPr>
-            <a:xfrm>
-              <a:off x="8538235" y="6022725"/>
-              <a:ext cx="145298" cy="95547"/>
-            </a:xfrm>
-            <a:prstGeom prst="rect">
-              <a:avLst/>
-            </a:prstGeom>
-            <a:noFill/>
-          </p:spPr>
-          <p:txBody>
-            <a:bodyPr lIns="0" rIns="0" tIns="0" bIns="0" anchorCtr="1" anchor="ctr" wrap="none"/>
-            <a:lstStyle/>
-            <a:p>
-              <a:pPr algn="l" marL="0" marR="0" indent="0">
-                <a:lnSpc>
-                  <a:spcPts val="1028"/>
-                </a:lnSpc>
-                <a:spcBef>
-                  <a:spcPts val="0"/>
-                </a:spcBef>
-                <a:spcAft>
-                  <a:spcPts val="0"/>
-                </a:spcAft>
-              </a:pPr>
-              <a:r>
-                <a:rPr sz="1028">
-                  <a:solidFill>
-                    <a:srgbClr val="000000">
-                      <a:alpha val="100000"/>
-                    </a:srgbClr>
-                  </a:solidFill>
-                  <a:latin typeface="Arial"/>
-                  <a:cs typeface="Arial"/>
-                </a:rPr>
-                <a:t>35</a:t>
-              </a:r>
-            </a:p>
-          </p:txBody>
-        </p:sp>
-        <p:sp>
-          <p:nvSpPr>
-            <p:cNvPr id="67" name="tx67"/>
+            <p:cNvPr id="64" name="tx64"/>
             <p:cNvSpPr/>
             <p:nvPr/>
           </p:nvSpPr>
@@ -4917,7 +4788,7 @@
         </p:sp>
         <p:sp>
           <p:nvSpPr>
-            <p:cNvPr id="68" name="tx68"/>
+            <p:cNvPr id="65" name="tx65"/>
             <p:cNvSpPr/>
             <p:nvPr/>
           </p:nvSpPr>
@@ -4963,7 +4834,7 @@
         </p:sp>
         <p:sp>
           <p:nvSpPr>
-            <p:cNvPr id="69" name="tx69"/>
+            <p:cNvPr id="66" name="tx66"/>
             <p:cNvSpPr/>
             <p:nvPr/>
           </p:nvSpPr>
@@ -5002,7 +4873,7 @@
                   <a:latin typeface="Arial"/>
                   <a:cs typeface="Arial"/>
                 </a:rPr>
-                <a:t>participants (N=52).</a:t>
+                <a:t>participants (N=50).</a:t>
               </a:r>
             </a:p>
           </p:txBody>
